--- a/graphics/bilstm_tokenizer.pptx
+++ b/graphics/bilstm_tokenizer.pptx
@@ -197,7 +197,7 @@
           <a:p>
             <a:fld id="{748FFD1C-F18E-4F6D-AC27-14C46C01C648}" type="datetimeFigureOut">
               <a:rPr lang="en-US" smtClean="0"/>
-              <a:t>11/8/2017</a:t>
+              <a:t>11/27/17</a:t>
             </a:fld>
             <a:endParaRPr lang="en-US"/>
           </a:p>
@@ -692,7 +692,7 @@
           <a:p>
             <a:fld id="{4FD3B01B-87EE-4A8D-8C4C-6D5F4395B337}" type="datetimeFigureOut">
               <a:rPr lang="en-US" smtClean="0"/>
-              <a:t>11/8/2017</a:t>
+              <a:t>11/27/17</a:t>
             </a:fld>
             <a:endParaRPr lang="en-US"/>
           </a:p>
@@ -862,7 +862,7 @@
           <a:p>
             <a:fld id="{4FD3B01B-87EE-4A8D-8C4C-6D5F4395B337}" type="datetimeFigureOut">
               <a:rPr lang="en-US" smtClean="0"/>
-              <a:t>11/8/2017</a:t>
+              <a:t>11/27/17</a:t>
             </a:fld>
             <a:endParaRPr lang="en-US"/>
           </a:p>
@@ -1042,7 +1042,7 @@
           <a:p>
             <a:fld id="{4FD3B01B-87EE-4A8D-8C4C-6D5F4395B337}" type="datetimeFigureOut">
               <a:rPr lang="en-US" smtClean="0"/>
-              <a:t>11/8/2017</a:t>
+              <a:t>11/27/17</a:t>
             </a:fld>
             <a:endParaRPr lang="en-US"/>
           </a:p>
@@ -1212,7 +1212,7 @@
           <a:p>
             <a:fld id="{4FD3B01B-87EE-4A8D-8C4C-6D5F4395B337}" type="datetimeFigureOut">
               <a:rPr lang="en-US" smtClean="0"/>
-              <a:t>11/8/2017</a:t>
+              <a:t>11/27/17</a:t>
             </a:fld>
             <a:endParaRPr lang="en-US"/>
           </a:p>
@@ -1458,7 +1458,7 @@
           <a:p>
             <a:fld id="{4FD3B01B-87EE-4A8D-8C4C-6D5F4395B337}" type="datetimeFigureOut">
               <a:rPr lang="en-US" smtClean="0"/>
-              <a:t>11/8/2017</a:t>
+              <a:t>11/27/17</a:t>
             </a:fld>
             <a:endParaRPr lang="en-US"/>
           </a:p>
@@ -1690,7 +1690,7 @@
           <a:p>
             <a:fld id="{4FD3B01B-87EE-4A8D-8C4C-6D5F4395B337}" type="datetimeFigureOut">
               <a:rPr lang="en-US" smtClean="0"/>
-              <a:t>11/8/2017</a:t>
+              <a:t>11/27/17</a:t>
             </a:fld>
             <a:endParaRPr lang="en-US"/>
           </a:p>
@@ -2057,7 +2057,7 @@
           <a:p>
             <a:fld id="{4FD3B01B-87EE-4A8D-8C4C-6D5F4395B337}" type="datetimeFigureOut">
               <a:rPr lang="en-US" smtClean="0"/>
-              <a:t>11/8/2017</a:t>
+              <a:t>11/27/17</a:t>
             </a:fld>
             <a:endParaRPr lang="en-US"/>
           </a:p>
@@ -2175,7 +2175,7 @@
           <a:p>
             <a:fld id="{4FD3B01B-87EE-4A8D-8C4C-6D5F4395B337}" type="datetimeFigureOut">
               <a:rPr lang="en-US" smtClean="0"/>
-              <a:t>11/8/2017</a:t>
+              <a:t>11/27/17</a:t>
             </a:fld>
             <a:endParaRPr lang="en-US"/>
           </a:p>
@@ -2270,7 +2270,7 @@
           <a:p>
             <a:fld id="{4FD3B01B-87EE-4A8D-8C4C-6D5F4395B337}" type="datetimeFigureOut">
               <a:rPr lang="en-US" smtClean="0"/>
-              <a:t>11/8/2017</a:t>
+              <a:t>11/27/17</a:t>
             </a:fld>
             <a:endParaRPr lang="en-US"/>
           </a:p>
@@ -2547,7 +2547,7 @@
           <a:p>
             <a:fld id="{4FD3B01B-87EE-4A8D-8C4C-6D5F4395B337}" type="datetimeFigureOut">
               <a:rPr lang="en-US" smtClean="0"/>
-              <a:t>11/8/2017</a:t>
+              <a:t>11/27/17</a:t>
             </a:fld>
             <a:endParaRPr lang="en-US"/>
           </a:p>
@@ -2800,7 +2800,7 @@
           <a:p>
             <a:fld id="{4FD3B01B-87EE-4A8D-8C4C-6D5F4395B337}" type="datetimeFigureOut">
               <a:rPr lang="en-US" smtClean="0"/>
-              <a:t>11/8/2017</a:t>
+              <a:t>11/27/17</a:t>
             </a:fld>
             <a:endParaRPr lang="en-US"/>
           </a:p>
@@ -3013,7 +3013,7 @@
           <a:p>
             <a:fld id="{4FD3B01B-87EE-4A8D-8C4C-6D5F4395B337}" type="datetimeFigureOut">
               <a:rPr lang="en-US" smtClean="0"/>
-              <a:t>11/8/2017</a:t>
+              <a:t>11/27/17</a:t>
             </a:fld>
             <a:endParaRPr lang="en-US"/>
           </a:p>
@@ -12286,6 +12286,60 @@
             <a:endParaRPr lang="en-US">
               <a:latin typeface="Times New Roman" panose="02020603050405020304" pitchFamily="18" charset="0"/>
               <a:cs typeface="Times New Roman" panose="02020603050405020304" pitchFamily="18" charset="0"/>
+            </a:endParaRPr>
+          </a:p>
+        </p:txBody>
+      </p:sp>
+      <p:sp>
+        <p:nvSpPr>
+          <p:cNvPr id="3" name="TextBox 2"/>
+          <p:cNvSpPr txBox="1"/>
+          <p:nvPr/>
+        </p:nvSpPr>
+        <p:spPr>
+          <a:xfrm>
+            <a:off x="7219896" y="5521000"/>
+            <a:ext cx="849576" cy="646331"/>
+          </a:xfrm>
+          <a:prstGeom prst="rect">
+            <a:avLst/>
+          </a:prstGeom>
+          <a:noFill/>
+        </p:spPr>
+        <p:txBody>
+          <a:bodyPr wrap="square" rtlCol="0">
+            <a:spAutoFit/>
+          </a:bodyPr>
+          <a:lstStyle/>
+          <a:p>
+            <a:r>
+              <a:rPr lang="en-US" altLang="zh-CN" smtClean="0">
+                <a:latin typeface="Times New Roman" charset="0"/>
+                <a:ea typeface="Times New Roman" charset="0"/>
+                <a:cs typeface="Times New Roman" charset="0"/>
+              </a:rPr>
+              <a:t>Char</a:t>
+            </a:r>
+            <a:r>
+              <a:rPr lang="zh-CN" altLang="en-US" dirty="0" smtClean="0">
+                <a:latin typeface="Times New Roman" charset="0"/>
+                <a:ea typeface="Times New Roman" charset="0"/>
+                <a:cs typeface="Times New Roman" charset="0"/>
+              </a:rPr>
+              <a:t> </a:t>
+            </a:r>
+            <a:r>
+              <a:rPr lang="en-US" altLang="zh-CN" dirty="0" smtClean="0">
+                <a:latin typeface="Times New Roman" charset="0"/>
+                <a:ea typeface="Times New Roman" charset="0"/>
+                <a:cs typeface="Times New Roman" charset="0"/>
+              </a:rPr>
+              <a:t>Embed.</a:t>
+            </a:r>
+            <a:endParaRPr lang="en-US" dirty="0">
+              <a:latin typeface="Times New Roman" charset="0"/>
+              <a:ea typeface="Times New Roman" charset="0"/>
+              <a:cs typeface="Times New Roman" charset="0"/>
             </a:endParaRPr>
           </a:p>
         </p:txBody>
